--- a/materials/slides/ch09.pptx
+++ b/materials/slides/ch09.pptx
@@ -32,20 +32,20 @@
   <p:notesSz cx="6858000" cy="9144000"/>
   <p:embeddedFontLst>
     <p:embeddedFont>
-      <p:font typeface="微软雅黑" panose="020B0503020204020204" pitchFamily="34" charset="-122"/>
+      <p:font typeface="Calibri" panose="020F0502020204030204" pitchFamily="34" charset="0"/>
       <p:regular r:id="rId22"/>
       <p:bold r:id="rId23"/>
-    </p:embeddedFont>
-    <p:embeddedFont>
-      <p:font typeface="Calibri" panose="020F0502020204030204" pitchFamily="34" charset="0"/>
-      <p:regular r:id="rId24"/>
-      <p:bold r:id="rId25"/>
-      <p:italic r:id="rId26"/>
-      <p:boldItalic r:id="rId27"/>
+      <p:italic r:id="rId24"/>
+      <p:boldItalic r:id="rId25"/>
     </p:embeddedFont>
     <p:embeddedFont>
       <p:font typeface="黑体" panose="02010609060101010101" pitchFamily="49" charset="-122"/>
-      <p:regular r:id="rId28"/>
+      <p:regular r:id="rId26"/>
+    </p:embeddedFont>
+    <p:embeddedFont>
+      <p:font typeface="微软雅黑" panose="020B0503020204020204" pitchFamily="34" charset="-122"/>
+      <p:regular r:id="rId27"/>
+      <p:bold r:id="rId28"/>
     </p:embeddedFont>
   </p:embeddedFontLst>
   <p:defaultTextStyle>
@@ -192,10 +192,6 @@
 </p:presentation>
 </file>
 
-<file path=ppt/revisionInfo.xml><?xml version="1.0" encoding="utf-8"?>
-<p1510:revInfo xmlns:a="http://schemas.openxmlformats.org/drawingml/2006/main" xmlns:r="http://schemas.openxmlformats.org/officeDocument/2006/relationships" xmlns:p1510="http://schemas.microsoft.com/office/powerpoint/2015/10/main"/>
-</file>
-
 <file path=ppt/notesMasters/notesMaster1.xml><?xml version="1.0" encoding="utf-8"?>
 <p:notesMaster xmlns:a="http://schemas.openxmlformats.org/drawingml/2006/main" xmlns:r="http://schemas.openxmlformats.org/officeDocument/2006/relationships" xmlns:p="http://schemas.openxmlformats.org/presentationml/2006/main">
   <p:cSld>
@@ -291,7 +287,7 @@
               <a:pPr>
                 <a:defRPr/>
               </a:pPr>
-              <a:t>2018/2/5</a:t>
+              <a:t>2019/7/16</a:t>
             </a:fld>
             <a:endParaRPr lang="zh-CN" altLang="en-US"/>
           </a:p>
@@ -1755,7 +1751,7 @@
           <a:graphicData uri="http://schemas.openxmlformats.org/presentationml/2006/ole">
             <mc:AlternateContent xmlns:mc="http://schemas.openxmlformats.org/markup-compatibility/2006">
               <mc:Choice xmlns:v="urn:schemas-microsoft-com:vml" Requires="v">
-                <p:oleObj spid="_x0000_s50196" r:id="rId4" imgW="7222617" imgH="1138809" progId="">
+                <p:oleObj spid="_x0000_s50197" r:id="rId4" imgW="7222617" imgH="1138809" progId="">
                   <p:embed/>
                 </p:oleObj>
               </mc:Choice>
@@ -2201,7 +2197,7 @@
               <a:pPr>
                 <a:defRPr/>
               </a:pPr>
-              <a:t>2018/2/5</a:t>
+              <a:t>2019/7/16</a:t>
             </a:fld>
             <a:endParaRPr lang="zh-CN" altLang="en-US"/>
           </a:p>
@@ -2406,7 +2402,7 @@
               <a:pPr>
                 <a:defRPr/>
               </a:pPr>
-              <a:t>2018/2/5</a:t>
+              <a:t>2019/7/16</a:t>
             </a:fld>
             <a:endParaRPr lang="zh-CN" altLang="en-US"/>
           </a:p>
@@ -2571,7 +2567,7 @@
           <a:graphicData uri="http://schemas.openxmlformats.org/presentationml/2006/ole">
             <mc:AlternateContent xmlns:mc="http://schemas.openxmlformats.org/markup-compatibility/2006">
               <mc:Choice xmlns:v="urn:schemas-microsoft-com:vml" Requires="v">
-                <p:oleObj spid="_x0000_s55316" r:id="rId4" imgW="7222617" imgH="1138809" progId="">
+                <p:oleObj spid="_x0000_s55317" r:id="rId4" imgW="7222617" imgH="1138809" progId="">
                   <p:embed/>
                 </p:oleObj>
               </mc:Choice>
@@ -3121,7 +3117,7 @@
           <a:graphicData uri="http://schemas.openxmlformats.org/presentationml/2006/ole">
             <mc:AlternateContent xmlns:mc="http://schemas.openxmlformats.org/markup-compatibility/2006">
               <mc:Choice xmlns:v="urn:schemas-microsoft-com:vml" Requires="v">
-                <p:oleObj spid="_x0000_s51220" r:id="rId4" imgW="7222617" imgH="1138809" progId="">
+                <p:oleObj spid="_x0000_s51221" r:id="rId4" imgW="7222617" imgH="1138809" progId="">
                   <p:embed/>
                 </p:oleObj>
               </mc:Choice>
@@ -3660,7 +3656,7 @@
           <a:graphicData uri="http://schemas.openxmlformats.org/presentationml/2006/ole">
             <mc:AlternateContent xmlns:mc="http://schemas.openxmlformats.org/markup-compatibility/2006">
               <mc:Choice xmlns:v="urn:schemas-microsoft-com:vml" Requires="v">
-                <p:oleObj spid="_x0000_s52244" r:id="rId4" imgW="7222617" imgH="1138809" progId="">
+                <p:oleObj spid="_x0000_s52245" r:id="rId4" imgW="7222617" imgH="1138809" progId="">
                   <p:embed/>
                 </p:oleObj>
               </mc:Choice>
@@ -4183,7 +4179,7 @@
           <a:graphicData uri="http://schemas.openxmlformats.org/presentationml/2006/ole">
             <mc:AlternateContent xmlns:mc="http://schemas.openxmlformats.org/markup-compatibility/2006">
               <mc:Choice xmlns:v="urn:schemas-microsoft-com:vml" Requires="v">
-                <p:oleObj spid="_x0000_s53268" r:id="rId4" imgW="7222617" imgH="1138809" progId="">
+                <p:oleObj spid="_x0000_s53269" r:id="rId4" imgW="7222617" imgH="1138809" progId="">
                   <p:embed/>
                 </p:oleObj>
               </mc:Choice>
@@ -4720,7 +4716,7 @@
               <a:pPr>
                 <a:defRPr/>
               </a:pPr>
-              <a:t>2018/2/5</a:t>
+              <a:t>2019/7/16</a:t>
             </a:fld>
             <a:endParaRPr lang="zh-CN" altLang="en-US"/>
           </a:p>
@@ -5166,7 +5162,7 @@
               <a:pPr>
                 <a:defRPr/>
               </a:pPr>
-              <a:t>2018/2/5</a:t>
+              <a:t>2019/7/16</a:t>
             </a:fld>
             <a:endParaRPr lang="zh-CN" altLang="en-US"/>
           </a:p>
@@ -5331,7 +5327,7 @@
           <a:graphicData uri="http://schemas.openxmlformats.org/presentationml/2006/ole">
             <mc:AlternateContent xmlns:mc="http://schemas.openxmlformats.org/markup-compatibility/2006">
               <mc:Choice xmlns:v="urn:schemas-microsoft-com:vml" Requires="v">
-                <p:oleObj spid="_x0000_s54292" r:id="rId4" imgW="7222617" imgH="1138809" progId="">
+                <p:oleObj spid="_x0000_s54293" r:id="rId4" imgW="7222617" imgH="1138809" progId="">
                   <p:embed/>
                 </p:oleObj>
               </mc:Choice>
@@ -5700,7 +5696,7 @@
               <a:pPr>
                 <a:defRPr/>
               </a:pPr>
-              <a:t>2018/2/5</a:t>
+              <a:t>2019/7/16</a:t>
             </a:fld>
             <a:endParaRPr lang="zh-CN" altLang="en-US"/>
           </a:p>
@@ -5822,7 +5818,7 @@
               <a:pPr>
                 <a:defRPr/>
               </a:pPr>
-              <a:t>2018/2/5</a:t>
+              <a:t>2019/7/16</a:t>
             </a:fld>
             <a:endParaRPr lang="zh-CN" altLang="en-US"/>
           </a:p>
@@ -6124,7 +6120,7 @@
               <a:pPr>
                 <a:defRPr/>
               </a:pPr>
-              <a:t>2018/2/5</a:t>
+              <a:t>2019/7/16</a:t>
             </a:fld>
             <a:endParaRPr lang="zh-CN" altLang="en-US"/>
           </a:p>
@@ -6406,7 +6402,7 @@
               <a:pPr>
                 <a:defRPr/>
               </a:pPr>
-              <a:t>2018/2/5</a:t>
+              <a:t>2019/7/16</a:t>
             </a:fld>
             <a:endParaRPr lang="zh-CN" altLang="en-US"/>
           </a:p>
@@ -6753,7 +6749,7 @@
               <a:pPr>
                 <a:defRPr/>
               </a:pPr>
-              <a:t>2018/2/5</a:t>
+              <a:t>2019/7/16</a:t>
             </a:fld>
             <a:endParaRPr lang="zh-CN" altLang="en-US"/>
           </a:p>
@@ -6873,7 +6869,7 @@
           <a:graphicData uri="http://schemas.openxmlformats.org/presentationml/2006/ole">
             <mc:AlternateContent xmlns:mc="http://schemas.openxmlformats.org/markup-compatibility/2006">
               <mc:Choice xmlns:v="urn:schemas-microsoft-com:vml" Requires="v">
-                <p:oleObj spid="_x0000_s1052" r:id="rId16" imgW="7222617" imgH="1138809" progId="">
+                <p:oleObj spid="_x0000_s1053" r:id="rId16" imgW="7222617" imgH="1138809" progId="">
                   <p:embed/>
                 </p:oleObj>
               </mc:Choice>
@@ -11866,7 +11862,11 @@
             </a:pPr>
             <a:r>
               <a:rPr lang="zh-CN" altLang="en-US" dirty="0"/>
-              <a:t>电脑的组成你了解么？</a:t>
+              <a:t>电脑的组成你了解</a:t>
+            </a:r>
+            <a:r>
+              <a:rPr lang="zh-CN" altLang="en-US"/>
+              <a:t>么？ </a:t>
             </a:r>
             <a:endParaRPr lang="en-US" altLang="zh-CN" dirty="0"/>
           </a:p>
